--- a/Design/Server_System_Design/UI_Design/UI.pptx
+++ b/Design/Server_System_Design/UI_Design/UI.pptx
@@ -202,7 +202,7 @@
           <a:p>
             <a:fld id="{093236AA-8301-4315-A7AE-CB07534AC271}" type="datetimeFigureOut">
               <a:rPr lang="zh-CN" altLang="en-US" smtClean="0"/>
-              <a:t>2019.1.8</a:t>
+              <a:t>2019.5.16</a:t>
             </a:fld>
             <a:endParaRPr lang="zh-CN" altLang="en-US"/>
           </a:p>
@@ -952,7 +952,7 @@
           <a:p>
             <a:fld id="{A8E99AFB-7B5C-4A62-B956-971A083712EA}" type="datetimeFigureOut">
               <a:rPr lang="zh-CN" altLang="en-US" smtClean="0"/>
-              <a:t>2019.1.8</a:t>
+              <a:t>2019.5.16</a:t>
             </a:fld>
             <a:endParaRPr lang="zh-CN" altLang="en-US"/>
           </a:p>
@@ -1150,7 +1150,7 @@
           <a:p>
             <a:fld id="{A8E99AFB-7B5C-4A62-B956-971A083712EA}" type="datetimeFigureOut">
               <a:rPr lang="zh-CN" altLang="en-US" smtClean="0"/>
-              <a:t>2019.1.8</a:t>
+              <a:t>2019.5.16</a:t>
             </a:fld>
             <a:endParaRPr lang="zh-CN" altLang="en-US"/>
           </a:p>
@@ -1358,7 +1358,7 @@
           <a:p>
             <a:fld id="{A8E99AFB-7B5C-4A62-B956-971A083712EA}" type="datetimeFigureOut">
               <a:rPr lang="zh-CN" altLang="en-US" smtClean="0"/>
-              <a:t>2019.1.8</a:t>
+              <a:t>2019.5.16</a:t>
             </a:fld>
             <a:endParaRPr lang="zh-CN" altLang="en-US"/>
           </a:p>
@@ -1556,7 +1556,7 @@
           <a:p>
             <a:fld id="{A8E99AFB-7B5C-4A62-B956-971A083712EA}" type="datetimeFigureOut">
               <a:rPr lang="zh-CN" altLang="en-US" smtClean="0"/>
-              <a:t>2019.1.8</a:t>
+              <a:t>2019.5.16</a:t>
             </a:fld>
             <a:endParaRPr lang="zh-CN" altLang="en-US"/>
           </a:p>
@@ -1831,7 +1831,7 @@
           <a:p>
             <a:fld id="{A8E99AFB-7B5C-4A62-B956-971A083712EA}" type="datetimeFigureOut">
               <a:rPr lang="zh-CN" altLang="en-US" smtClean="0"/>
-              <a:t>2019.1.8</a:t>
+              <a:t>2019.5.16</a:t>
             </a:fld>
             <a:endParaRPr lang="zh-CN" altLang="en-US"/>
           </a:p>
@@ -2096,7 +2096,7 @@
           <a:p>
             <a:fld id="{A8E99AFB-7B5C-4A62-B956-971A083712EA}" type="datetimeFigureOut">
               <a:rPr lang="zh-CN" altLang="en-US" smtClean="0"/>
-              <a:t>2019.1.8</a:t>
+              <a:t>2019.5.16</a:t>
             </a:fld>
             <a:endParaRPr lang="zh-CN" altLang="en-US"/>
           </a:p>
@@ -2508,7 +2508,7 @@
           <a:p>
             <a:fld id="{A8E99AFB-7B5C-4A62-B956-971A083712EA}" type="datetimeFigureOut">
               <a:rPr lang="zh-CN" altLang="en-US" smtClean="0"/>
-              <a:t>2019.1.8</a:t>
+              <a:t>2019.5.16</a:t>
             </a:fld>
             <a:endParaRPr lang="zh-CN" altLang="en-US"/>
           </a:p>
@@ -2649,7 +2649,7 @@
           <a:p>
             <a:fld id="{A8E99AFB-7B5C-4A62-B956-971A083712EA}" type="datetimeFigureOut">
               <a:rPr lang="zh-CN" altLang="en-US" smtClean="0"/>
-              <a:t>2019.1.8</a:t>
+              <a:t>2019.5.16</a:t>
             </a:fld>
             <a:endParaRPr lang="zh-CN" altLang="en-US"/>
           </a:p>
@@ -2762,7 +2762,7 @@
           <a:p>
             <a:fld id="{A8E99AFB-7B5C-4A62-B956-971A083712EA}" type="datetimeFigureOut">
               <a:rPr lang="zh-CN" altLang="en-US" smtClean="0"/>
-              <a:t>2019.1.8</a:t>
+              <a:t>2019.5.16</a:t>
             </a:fld>
             <a:endParaRPr lang="zh-CN" altLang="en-US"/>
           </a:p>
@@ -3073,7 +3073,7 @@
           <a:p>
             <a:fld id="{A8E99AFB-7B5C-4A62-B956-971A083712EA}" type="datetimeFigureOut">
               <a:rPr lang="zh-CN" altLang="en-US" smtClean="0"/>
-              <a:t>2019.1.8</a:t>
+              <a:t>2019.5.16</a:t>
             </a:fld>
             <a:endParaRPr lang="zh-CN" altLang="en-US"/>
           </a:p>
@@ -3361,7 +3361,7 @@
           <a:p>
             <a:fld id="{A8E99AFB-7B5C-4A62-B956-971A083712EA}" type="datetimeFigureOut">
               <a:rPr lang="zh-CN" altLang="en-US" smtClean="0"/>
-              <a:t>2019.1.8</a:t>
+              <a:t>2019.5.16</a:t>
             </a:fld>
             <a:endParaRPr lang="zh-CN" altLang="en-US"/>
           </a:p>
@@ -3607,7 +3607,7 @@
           <a:p>
             <a:fld id="{A8E99AFB-7B5C-4A62-B956-971A083712EA}" type="datetimeFigureOut">
               <a:rPr lang="zh-CN" altLang="en-US" smtClean="0"/>
-              <a:t>2019.1.8</a:t>
+              <a:t>2019.5.16</a:t>
             </a:fld>
             <a:endParaRPr lang="zh-CN" altLang="en-US"/>
           </a:p>
@@ -4183,11 +4183,9 @@
             <a:r>
               <a:rPr lang="zh-CN" altLang="en-US" sz="1100">
                 <a:solidFill>
-                  <a:schemeClr val="bg2">
-                    <a:lumMod val="75000"/>
-                  </a:schemeClr>
+                  <a:schemeClr val="tx1"/>
                 </a:solidFill>
-                <a:latin typeface="+mj-ea"/>
+                <a:latin typeface="+mj-lt"/>
                 <a:ea typeface="+mj-ea"/>
               </a:rPr>
               <a:t>用户</a:t>
@@ -4252,11 +4250,9 @@
             <a:r>
               <a:rPr lang="zh-CN" altLang="en-US" sz="1100">
                 <a:solidFill>
-                  <a:schemeClr val="bg2">
-                    <a:lumMod val="75000"/>
-                  </a:schemeClr>
+                  <a:schemeClr val="tx1"/>
                 </a:solidFill>
-                <a:latin typeface="+mj-ea"/>
+                <a:latin typeface="+mj-lt"/>
                 <a:ea typeface="+mj-ea"/>
               </a:rPr>
               <a:t>密码</a:t>
@@ -4441,9 +4437,7 @@
             </a:avLst>
           </a:prstGeom>
           <a:solidFill>
-            <a:schemeClr val="bg2">
-              <a:lumMod val="25000"/>
-            </a:schemeClr>
+            <a:srgbClr val="009688"/>
           </a:solidFill>
           <a:ln w="12700">
             <a:noFill/>
